--- a/2D 게임프로그래밍 1차프로젝트.pptx
+++ b/2D 게임프로그래밍 1차프로젝트.pptx
@@ -12,6 +12,9 @@
     <p:sldId id="260" r:id="rId6"/>
     <p:sldId id="259" r:id="rId7"/>
     <p:sldId id="262" r:id="rId8"/>
+    <p:sldId id="265" r:id="rId9"/>
+    <p:sldId id="267" r:id="rId10"/>
+    <p:sldId id="266" r:id="rId11"/>
   </p:sldIdLst>
   <p:sldSz cx="9144000" cy="6858000" type="screen4x3"/>
   <p:notesSz cx="6858000" cy="9144000"/>
@@ -4158,19 +4161,7 @@
           <a:p>
             <a:r>
               <a:rPr lang="ko-KR" altLang="en-US" dirty="0" smtClean="0"/>
-              <a:t>액</a:t>
-            </a:r>
-            <a:r>
-              <a:rPr lang="ko-KR" altLang="en-US" dirty="0" smtClean="0"/>
-              <a:t>션</a:t>
-            </a:r>
-            <a:r>
-              <a:rPr lang="ko-KR" altLang="en-US" dirty="0" smtClean="0"/>
-              <a:t> </a:t>
-            </a:r>
-            <a:r>
-              <a:rPr lang="ko-KR" altLang="en-US" dirty="0" smtClean="0"/>
-              <a:t>피구</a:t>
+              <a:t>액션 피구</a:t>
             </a:r>
             <a:endParaRPr lang="ko-KR" altLang="en-US" dirty="0"/>
           </a:p>
@@ -4234,6 +4225,383 @@
       </p:par>
     </p:tnLst>
   </p:timing>
+</p:sld>
+</file>
+
+<file path=ppt/slides/slide10.xml><?xml version="1.0" encoding="utf-8"?>
+<p:sld xmlns:a="http://schemas.openxmlformats.org/drawingml/2006/main" xmlns:r="http://schemas.openxmlformats.org/officeDocument/2006/relationships" xmlns:p="http://schemas.openxmlformats.org/presentationml/2006/main">
+  <p:cSld>
+    <p:spTree>
+      <p:nvGrpSpPr>
+        <p:cNvPr id="1" name=""/>
+        <p:cNvGrpSpPr/>
+        <p:nvPr/>
+      </p:nvGrpSpPr>
+      <p:grpSpPr>
+        <a:xfrm>
+          <a:off x="0" y="0"/>
+          <a:ext cx="0" cy="0"/>
+          <a:chOff x="0" y="0"/>
+          <a:chExt cx="0" cy="0"/>
+        </a:xfrm>
+      </p:grpSpPr>
+      <p:pic>
+        <p:nvPicPr>
+          <p:cNvPr id="1026" name="Picture 2"/>
+          <p:cNvPicPr>
+            <a:picLocks noChangeAspect="1" noChangeArrowheads="1"/>
+          </p:cNvPicPr>
+          <p:nvPr/>
+        </p:nvPicPr>
+        <p:blipFill>
+          <a:blip r:embed="rId2"/>
+          <a:srcRect/>
+          <a:stretch>
+            <a:fillRect/>
+          </a:stretch>
+        </p:blipFill>
+        <p:spPr bwMode="auto">
+          <a:xfrm>
+            <a:off x="357158" y="4743470"/>
+            <a:ext cx="1381125" cy="1543050"/>
+          </a:xfrm>
+          <a:prstGeom prst="rect">
+            <a:avLst/>
+          </a:prstGeom>
+          <a:noFill/>
+          <a:ln w="9525">
+            <a:noFill/>
+            <a:miter lim="800000"/>
+            <a:headEnd/>
+            <a:tailEnd/>
+          </a:ln>
+          <a:effectLst/>
+        </p:spPr>
+      </p:pic>
+      <p:pic>
+        <p:nvPicPr>
+          <p:cNvPr id="1027" name="Picture 3"/>
+          <p:cNvPicPr>
+            <a:picLocks noChangeAspect="1" noChangeArrowheads="1"/>
+          </p:cNvPicPr>
+          <p:nvPr/>
+        </p:nvPicPr>
+        <p:blipFill>
+          <a:blip r:embed="rId3"/>
+          <a:srcRect/>
+          <a:stretch>
+            <a:fillRect/>
+          </a:stretch>
+        </p:blipFill>
+        <p:spPr bwMode="auto">
+          <a:xfrm>
+            <a:off x="571472" y="2847980"/>
+            <a:ext cx="952500" cy="1295400"/>
+          </a:xfrm>
+          <a:prstGeom prst="rect">
+            <a:avLst/>
+          </a:prstGeom>
+          <a:noFill/>
+          <a:ln w="9525">
+            <a:noFill/>
+            <a:miter lim="800000"/>
+            <a:headEnd/>
+            <a:tailEnd/>
+          </a:ln>
+          <a:effectLst/>
+        </p:spPr>
+      </p:pic>
+      <p:pic>
+        <p:nvPicPr>
+          <p:cNvPr id="6" name="Picture 4"/>
+          <p:cNvPicPr>
+            <a:picLocks noChangeAspect="1" noChangeArrowheads="1"/>
+          </p:cNvPicPr>
+          <p:nvPr/>
+        </p:nvPicPr>
+        <p:blipFill>
+          <a:blip r:embed="rId4" cstate="print"/>
+          <a:srcRect/>
+          <a:stretch>
+            <a:fillRect/>
+          </a:stretch>
+        </p:blipFill>
+        <p:spPr bwMode="auto">
+          <a:xfrm>
+            <a:off x="571472" y="1071546"/>
+            <a:ext cx="928694" cy="1143008"/>
+          </a:xfrm>
+          <a:prstGeom prst="rect">
+            <a:avLst/>
+          </a:prstGeom>
+          <a:noFill/>
+          <a:ln w="38100">
+            <a:noFill/>
+            <a:miter lim="800000"/>
+            <a:headEnd/>
+            <a:tailEnd/>
+          </a:ln>
+          <a:effectLst/>
+        </p:spPr>
+      </p:pic>
+      <p:sp>
+        <p:nvSpPr>
+          <p:cNvPr id="10" name="TextBox 9"/>
+          <p:cNvSpPr txBox="1"/>
+          <p:nvPr/>
+        </p:nvSpPr>
+        <p:spPr>
+          <a:xfrm>
+            <a:off x="4214810" y="1214422"/>
+            <a:ext cx="4572032" cy="1077218"/>
+          </a:xfrm>
+          <a:prstGeom prst="rect">
+            <a:avLst/>
+          </a:prstGeom>
+          <a:noFill/>
+        </p:spPr>
+        <p:txBody>
+          <a:bodyPr wrap="square" rtlCol="0">
+            <a:spAutoFit/>
+          </a:bodyPr>
+          <a:lstStyle/>
+          <a:p>
+            <a:r>
+              <a:rPr lang="ko-KR" altLang="en-US" sz="1600" dirty="0" smtClean="0"/>
+              <a:t>스킬 </a:t>
+            </a:r>
+            <a:r>
+              <a:rPr lang="en-US" altLang="ko-KR" sz="1600" dirty="0" smtClean="0"/>
+              <a:t>: </a:t>
+            </a:r>
+            <a:r>
+              <a:rPr lang="ko-KR" altLang="en-US" sz="1600" dirty="0" err="1" smtClean="0"/>
+              <a:t>스킬을</a:t>
+            </a:r>
+            <a:r>
+              <a:rPr lang="ko-KR" altLang="en-US" sz="1600" dirty="0" smtClean="0"/>
+              <a:t> 사용할 때 마다 진화한다</a:t>
+            </a:r>
+            <a:r>
+              <a:rPr lang="en-US" altLang="ko-KR" sz="1600" dirty="0" smtClean="0"/>
+              <a:t>.</a:t>
+            </a:r>
+          </a:p>
+          <a:p>
+            <a:r>
+              <a:rPr lang="ko-KR" altLang="en-US" sz="1600" dirty="0" smtClean="0"/>
+              <a:t>첫 번째 진화 시 이동속도가 빨라지고</a:t>
+            </a:r>
+            <a:endParaRPr lang="en-US" altLang="ko-KR" sz="1600" dirty="0" smtClean="0"/>
+          </a:p>
+          <a:p>
+            <a:r>
+              <a:rPr lang="ko-KR" altLang="en-US" sz="1600" dirty="0" smtClean="0"/>
+              <a:t>두 번째 진화 시 이동속도가 조금 느려지고 </a:t>
+            </a:r>
+            <a:endParaRPr lang="en-US" altLang="ko-KR" sz="1600" dirty="0" smtClean="0"/>
+          </a:p>
+          <a:p>
+            <a:r>
+              <a:rPr lang="ko-KR" altLang="en-US" sz="1600" dirty="0" smtClean="0"/>
+              <a:t>크기가 커지는 대신 공 던지는 속도가 증가한다</a:t>
+            </a:r>
+            <a:r>
+              <a:rPr lang="en-US" altLang="ko-KR" sz="1600" dirty="0" smtClean="0"/>
+              <a:t>.</a:t>
+            </a:r>
+            <a:endParaRPr lang="ko-KR" altLang="en-US" sz="1600" dirty="0"/>
+          </a:p>
+        </p:txBody>
+      </p:sp>
+      <p:sp>
+        <p:nvSpPr>
+          <p:cNvPr id="13" name="TextBox 12"/>
+          <p:cNvSpPr txBox="1"/>
+          <p:nvPr/>
+        </p:nvSpPr>
+        <p:spPr>
+          <a:xfrm>
+            <a:off x="1762105" y="1071546"/>
+            <a:ext cx="1571636" cy="1200329"/>
+          </a:xfrm>
+          <a:prstGeom prst="rect">
+            <a:avLst/>
+          </a:prstGeom>
+          <a:noFill/>
+        </p:spPr>
+        <p:txBody>
+          <a:bodyPr wrap="square" rtlCol="0">
+            <a:spAutoFit/>
+          </a:bodyPr>
+          <a:lstStyle/>
+          <a:p>
+            <a:r>
+              <a:rPr lang="ko-KR" altLang="en-US" dirty="0" err="1" smtClean="0"/>
+              <a:t>능력치</a:t>
+            </a:r>
+            <a:endParaRPr lang="en-US" altLang="ko-KR" dirty="0" smtClean="0"/>
+          </a:p>
+          <a:p>
+            <a:r>
+              <a:rPr lang="ko-KR" altLang="en-US" dirty="0" smtClean="0"/>
+              <a:t>체력 </a:t>
+            </a:r>
+            <a:r>
+              <a:rPr lang="en-US" altLang="ko-KR" dirty="0" smtClean="0"/>
+              <a:t>: 3</a:t>
+            </a:r>
+          </a:p>
+          <a:p>
+            <a:r>
+              <a:rPr lang="ko-KR" altLang="en-US" dirty="0" smtClean="0"/>
+              <a:t>이동속도 </a:t>
+            </a:r>
+            <a:r>
+              <a:rPr lang="en-US" altLang="ko-KR" dirty="0" smtClean="0"/>
+              <a:t>: 2</a:t>
+            </a:r>
+          </a:p>
+          <a:p>
+            <a:r>
+              <a:rPr lang="ko-KR" altLang="en-US" dirty="0" smtClean="0"/>
+              <a:t>공격속도 </a:t>
+            </a:r>
+            <a:r>
+              <a:rPr lang="en-US" altLang="ko-KR" dirty="0" smtClean="0"/>
+              <a:t>: 3</a:t>
+            </a:r>
+            <a:endParaRPr lang="ko-KR" altLang="en-US" dirty="0"/>
+          </a:p>
+        </p:txBody>
+      </p:sp>
+      <p:sp>
+        <p:nvSpPr>
+          <p:cNvPr id="14" name="TextBox 13"/>
+          <p:cNvSpPr txBox="1"/>
+          <p:nvPr/>
+        </p:nvSpPr>
+        <p:spPr>
+          <a:xfrm>
+            <a:off x="1785918" y="2871613"/>
+            <a:ext cx="1571636" cy="1200329"/>
+          </a:xfrm>
+          <a:prstGeom prst="rect">
+            <a:avLst/>
+          </a:prstGeom>
+          <a:noFill/>
+        </p:spPr>
+        <p:txBody>
+          <a:bodyPr wrap="square" rtlCol="0">
+            <a:spAutoFit/>
+          </a:bodyPr>
+          <a:lstStyle/>
+          <a:p>
+            <a:r>
+              <a:rPr lang="ko-KR" altLang="en-US" dirty="0" err="1" smtClean="0"/>
+              <a:t>능력치</a:t>
+            </a:r>
+            <a:endParaRPr lang="en-US" altLang="ko-KR" dirty="0" smtClean="0"/>
+          </a:p>
+          <a:p>
+            <a:r>
+              <a:rPr lang="ko-KR" altLang="en-US" dirty="0" smtClean="0"/>
+              <a:t>체력 </a:t>
+            </a:r>
+            <a:r>
+              <a:rPr lang="en-US" altLang="ko-KR" dirty="0" smtClean="0"/>
+              <a:t>: 3</a:t>
+            </a:r>
+          </a:p>
+          <a:p>
+            <a:r>
+              <a:rPr lang="ko-KR" altLang="en-US" dirty="0" smtClean="0"/>
+              <a:t>이동속도 </a:t>
+            </a:r>
+            <a:r>
+              <a:rPr lang="en-US" altLang="ko-KR" dirty="0" smtClean="0"/>
+              <a:t>: 5</a:t>
+            </a:r>
+          </a:p>
+          <a:p>
+            <a:r>
+              <a:rPr lang="ko-KR" altLang="en-US" dirty="0" smtClean="0"/>
+              <a:t>공격속도 </a:t>
+            </a:r>
+            <a:r>
+              <a:rPr lang="en-US" altLang="ko-KR" dirty="0" smtClean="0"/>
+              <a:t>: 3</a:t>
+            </a:r>
+            <a:endParaRPr lang="ko-KR" altLang="en-US" dirty="0"/>
+          </a:p>
+        </p:txBody>
+      </p:sp>
+      <p:sp>
+        <p:nvSpPr>
+          <p:cNvPr id="15" name="TextBox 14"/>
+          <p:cNvSpPr txBox="1"/>
+          <p:nvPr/>
+        </p:nvSpPr>
+        <p:spPr>
+          <a:xfrm>
+            <a:off x="1857356" y="4871877"/>
+            <a:ext cx="1571636" cy="1200329"/>
+          </a:xfrm>
+          <a:prstGeom prst="rect">
+            <a:avLst/>
+          </a:prstGeom>
+          <a:noFill/>
+        </p:spPr>
+        <p:txBody>
+          <a:bodyPr wrap="square" rtlCol="0">
+            <a:spAutoFit/>
+          </a:bodyPr>
+          <a:lstStyle/>
+          <a:p>
+            <a:r>
+              <a:rPr lang="ko-KR" altLang="en-US" dirty="0" err="1" smtClean="0"/>
+              <a:t>능력치</a:t>
+            </a:r>
+            <a:endParaRPr lang="en-US" altLang="ko-KR" dirty="0" smtClean="0"/>
+          </a:p>
+          <a:p>
+            <a:r>
+              <a:rPr lang="ko-KR" altLang="en-US" dirty="0" smtClean="0"/>
+              <a:t>체력 </a:t>
+            </a:r>
+            <a:r>
+              <a:rPr lang="en-US" altLang="ko-KR" dirty="0" smtClean="0"/>
+              <a:t>: 4</a:t>
+            </a:r>
+          </a:p>
+          <a:p>
+            <a:r>
+              <a:rPr lang="ko-KR" altLang="en-US" dirty="0" smtClean="0"/>
+              <a:t>이동속도 </a:t>
+            </a:r>
+            <a:r>
+              <a:rPr lang="en-US" altLang="ko-KR" dirty="0" smtClean="0"/>
+              <a:t>: 4</a:t>
+            </a:r>
+          </a:p>
+          <a:p>
+            <a:r>
+              <a:rPr lang="ko-KR" altLang="en-US" dirty="0" smtClean="0"/>
+              <a:t>공격속도 </a:t>
+            </a:r>
+            <a:r>
+              <a:rPr lang="en-US" altLang="ko-KR" dirty="0" smtClean="0"/>
+              <a:t>: 4</a:t>
+            </a:r>
+            <a:endParaRPr lang="ko-KR" altLang="en-US" dirty="0"/>
+          </a:p>
+        </p:txBody>
+      </p:sp>
+    </p:spTree>
+  </p:cSld>
+  <p:clrMapOvr>
+    <a:masterClrMapping/>
+  </p:clrMapOvr>
 </p:sld>
 </file>
 
@@ -4330,11 +4698,7 @@
             </a:r>
             <a:r>
               <a:rPr lang="ko-KR" altLang="en-US" sz="1400" b="1" dirty="0" smtClean="0"/>
-              <a:t>피구 </a:t>
-            </a:r>
-            <a:r>
-              <a:rPr lang="ko-KR" altLang="en-US" sz="1400" b="1" dirty="0" smtClean="0"/>
-              <a:t>게임</a:t>
+              <a:t>피구 게임</a:t>
             </a:r>
             <a:endParaRPr lang="en-US" altLang="ko-KR" sz="1400" b="1" dirty="0" smtClean="0"/>
           </a:p>
@@ -4409,15 +4773,7 @@
             </a:r>
             <a:r>
               <a:rPr lang="ko-KR" altLang="en-US" sz="1400" b="1" dirty="0" smtClean="0"/>
-              <a:t> 수 </a:t>
-            </a:r>
-            <a:r>
-              <a:rPr lang="ko-KR" altLang="en-US" sz="1400" b="1" dirty="0" smtClean="0"/>
-              <a:t>있으므로 게임 시작 전 원하는 캐릭터를 골라 각 캐릭터마다 고유한 스킬 사용 </a:t>
-            </a:r>
-            <a:r>
-              <a:rPr lang="ko-KR" altLang="en-US" sz="1400" b="1" dirty="0" smtClean="0"/>
-              <a:t>가능</a:t>
+              <a:t> 수 있으므로 게임 시작 전 원하는 캐릭터를 골라 각 캐릭터마다 고유한 스킬 사용 가능</a:t>
             </a:r>
             <a:endParaRPr lang="en-US" altLang="ko-KR" sz="1400" b="1" dirty="0" smtClean="0"/>
           </a:p>
@@ -4441,11 +4797,7 @@
             </a:pPr>
             <a:r>
               <a:rPr lang="ko-KR" altLang="en-US" sz="1400" b="1" dirty="0" smtClean="0"/>
-              <a:t>캐릭터는 상하좌우로 이동하며 공을 던져 중앙선 너머에 있는 상대방을 맞춰 쓰러뜨려야 </a:t>
-            </a:r>
-            <a:r>
-              <a:rPr lang="ko-KR" altLang="en-US" sz="1400" b="1" dirty="0" smtClean="0"/>
-              <a:t>함</a:t>
+              <a:t>캐릭터는 상하좌우로 이동하며 공을 던져 중앙선 너머에 있는 상대방을 맞춰 쓰러뜨려야 함</a:t>
             </a:r>
             <a:endParaRPr lang="en-US" altLang="ko-KR" sz="1400" b="1" dirty="0" smtClean="0"/>
           </a:p>
@@ -7175,15 +7527,7 @@
                   <a:schemeClr val="tx1"/>
                 </a:solidFill>
               </a:rPr>
-              <a:t>능력 </a:t>
-            </a:r>
-            <a:r>
-              <a:rPr lang="ko-KR" altLang="en-US" sz="1200" b="1" dirty="0" smtClean="0">
-                <a:solidFill>
-                  <a:schemeClr val="tx1"/>
-                </a:solidFill>
-              </a:rPr>
-              <a:t>게이지</a:t>
+              <a:t>능력 게이지</a:t>
             </a:r>
             <a:endParaRPr lang="en-US" altLang="ko-KR" sz="1200" b="1" dirty="0" smtClean="0">
               <a:solidFill>
@@ -7469,15 +7813,7 @@
                   <a:schemeClr val="tx1"/>
                 </a:solidFill>
               </a:rPr>
-              <a:t>초 </a:t>
-            </a:r>
-            <a:r>
-              <a:rPr lang="ko-KR" altLang="en-US" sz="1200" b="1" dirty="0" smtClean="0">
-                <a:solidFill>
-                  <a:schemeClr val="tx1"/>
-                </a:solidFill>
-              </a:rPr>
-              <a:t>남음</a:t>
+              <a:t>초 남음</a:t>
             </a:r>
             <a:r>
               <a:rPr lang="en-US" altLang="ko-KR" sz="1200" b="1" dirty="0" smtClean="0">
@@ -9319,11 +9655,7 @@
           <a:p>
             <a:r>
               <a:rPr lang="ko-KR" altLang="en-US" dirty="0" smtClean="0"/>
-              <a:t>기 </a:t>
-            </a:r>
-            <a:r>
-              <a:rPr lang="ko-KR" altLang="en-US" dirty="0" smtClean="0"/>
-              <a:t>획</a:t>
+              <a:t>기 획</a:t>
             </a:r>
             <a:endParaRPr lang="ko-KR" altLang="en-US" dirty="0"/>
           </a:p>
@@ -9357,11 +9689,7 @@
             </a:pPr>
             <a:r>
               <a:rPr lang="ko-KR" altLang="en-US" sz="1400" b="1" dirty="0" smtClean="0"/>
-              <a:t>게임 </a:t>
-            </a:r>
-            <a:r>
-              <a:rPr lang="ko-KR" altLang="en-US" sz="1400" b="1" dirty="0" smtClean="0"/>
-              <a:t>시작 전 원하는 캐릭터를 골라 각 캐릭터마다 고유한 스킬 사용 가능</a:t>
+              <a:t>게임 시작 전 원하는 캐릭터를 골라 각 캐릭터마다 고유한 스킬 사용 가능</a:t>
             </a:r>
             <a:endParaRPr lang="en-US" altLang="ko-KR" sz="1400" b="1" dirty="0" smtClean="0"/>
           </a:p>
@@ -9387,11 +9715,7 @@
             </a:r>
             <a:r>
               <a:rPr lang="ko-KR" altLang="en-US" sz="1400" b="1" dirty="0" smtClean="0"/>
-              <a:t>개까지 제작할 </a:t>
-            </a:r>
-            <a:r>
-              <a:rPr lang="ko-KR" altLang="en-US" sz="1400" b="1" dirty="0" smtClean="0"/>
-              <a:t>예정 </a:t>
+              <a:t>개까지 제작할 예정 </a:t>
             </a:r>
             <a:r>
               <a:rPr lang="en-US" altLang="ko-KR" sz="1400" b="1" dirty="0" smtClean="0"/>
@@ -9405,7 +9729,6 @@
               <a:rPr lang="en-US" altLang="ko-KR" sz="1400" b="1" dirty="0" smtClean="0"/>
               <a:t>)</a:t>
             </a:r>
-            <a:endParaRPr lang="en-US" altLang="ko-KR" sz="1400" b="1" dirty="0" smtClean="0"/>
           </a:p>
           <a:p>
             <a:pPr>
@@ -9447,11 +9770,7 @@
             </a:r>
             <a:r>
               <a:rPr lang="ko-KR" altLang="en-US" sz="1400" b="1" dirty="0" smtClean="0"/>
-              <a:t> 밖으로 나갈 시 공은 상대방에게 </a:t>
-            </a:r>
-            <a:r>
-              <a:rPr lang="ko-KR" altLang="en-US" sz="1400" b="1" dirty="0" smtClean="0"/>
-              <a:t>넘어간다</a:t>
+              <a:t> 밖으로 나갈 시 공은 상대방에게 넘어간다</a:t>
             </a:r>
             <a:r>
               <a:rPr lang="en-US" altLang="ko-KR" sz="1400" b="1" dirty="0" smtClean="0"/>
@@ -9510,11 +9829,7 @@
             </a:r>
             <a:r>
               <a:rPr lang="ko-KR" altLang="en-US" sz="1400" b="1" dirty="0" smtClean="0"/>
-              <a:t> 공을 잡는 </a:t>
-            </a:r>
-            <a:r>
-              <a:rPr lang="ko-KR" altLang="en-US" sz="1400" b="1" dirty="0" smtClean="0"/>
-              <a:t>방어키</a:t>
+              <a:t> 공을 잡는 방어키</a:t>
             </a:r>
             <a:r>
               <a:rPr lang="en-US" altLang="ko-KR" sz="1400" b="1" dirty="0" smtClean="0"/>
@@ -9542,11 +9857,7 @@
             </a:r>
             <a:r>
               <a:rPr lang="ko-KR" altLang="en-US" sz="1400" b="1" dirty="0" smtClean="0"/>
-              <a:t>와 </a:t>
-            </a:r>
-            <a:r>
-              <a:rPr lang="ko-KR" altLang="en-US" sz="1400" b="1" dirty="0" smtClean="0"/>
-              <a:t>스킬을 사용하는 단축키로 구성</a:t>
+              <a:t>와 스킬을 사용하는 단축키로 구성</a:t>
             </a:r>
             <a:endParaRPr lang="en-US" altLang="ko-KR" sz="1400" b="1" dirty="0" smtClean="0"/>
           </a:p>
@@ -9646,6 +9957,607 @@
           </a:p>
         </p:txBody>
       </p:sp>
+    </p:spTree>
+  </p:cSld>
+  <p:clrMapOvr>
+    <a:masterClrMapping/>
+  </p:clrMapOvr>
+  <p:timing>
+    <p:tnLst>
+      <p:par>
+        <p:cTn id="1" dur="indefinite" restart="never" nodeType="tmRoot"/>
+      </p:par>
+    </p:tnLst>
+  </p:timing>
+</p:sld>
+</file>
+
+<file path=ppt/slides/slide8.xml><?xml version="1.0" encoding="utf-8"?>
+<p:sld xmlns:a="http://schemas.openxmlformats.org/drawingml/2006/main" xmlns:r="http://schemas.openxmlformats.org/officeDocument/2006/relationships" xmlns:p="http://schemas.openxmlformats.org/presentationml/2006/main">
+  <p:cSld>
+    <p:spTree>
+      <p:nvGrpSpPr>
+        <p:cNvPr id="1" name=""/>
+        <p:cNvGrpSpPr/>
+        <p:nvPr/>
+      </p:nvGrpSpPr>
+      <p:grpSpPr>
+        <a:xfrm>
+          <a:off x="0" y="0"/>
+          <a:ext cx="0" cy="0"/>
+          <a:chOff x="0" y="0"/>
+          <a:chExt cx="0" cy="0"/>
+        </a:xfrm>
+      </p:grpSpPr>
+      <p:pic>
+        <p:nvPicPr>
+          <p:cNvPr id="4" name="Picture 3"/>
+          <p:cNvPicPr>
+            <a:picLocks noChangeAspect="1" noChangeArrowheads="1"/>
+          </p:cNvPicPr>
+          <p:nvPr/>
+        </p:nvPicPr>
+        <p:blipFill>
+          <a:blip r:embed="rId2" cstate="print"/>
+          <a:srcRect/>
+          <a:stretch>
+            <a:fillRect/>
+          </a:stretch>
+        </p:blipFill>
+        <p:spPr bwMode="auto">
+          <a:xfrm>
+            <a:off x="928662" y="1357298"/>
+            <a:ext cx="666668" cy="816287"/>
+          </a:xfrm>
+          <a:prstGeom prst="rect">
+            <a:avLst/>
+          </a:prstGeom>
+          <a:noFill/>
+          <a:ln w="9525">
+            <a:solidFill>
+              <a:schemeClr val="tx1"/>
+            </a:solidFill>
+            <a:miter lim="800000"/>
+            <a:headEnd/>
+            <a:tailEnd/>
+          </a:ln>
+          <a:effectLst/>
+        </p:spPr>
+      </p:pic>
+      <p:sp>
+        <p:nvSpPr>
+          <p:cNvPr id="11" name="TextBox 10"/>
+          <p:cNvSpPr txBox="1"/>
+          <p:nvPr/>
+        </p:nvSpPr>
+        <p:spPr>
+          <a:xfrm>
+            <a:off x="2071670" y="1142984"/>
+            <a:ext cx="1714512" cy="1200329"/>
+          </a:xfrm>
+          <a:prstGeom prst="rect">
+            <a:avLst/>
+          </a:prstGeom>
+          <a:noFill/>
+        </p:spPr>
+        <p:txBody>
+          <a:bodyPr wrap="square" rtlCol="0">
+            <a:spAutoFit/>
+          </a:bodyPr>
+          <a:lstStyle/>
+          <a:p>
+            <a:r>
+              <a:rPr lang="ko-KR" altLang="en-US" dirty="0" err="1" smtClean="0"/>
+              <a:t>능력치</a:t>
+            </a:r>
+            <a:endParaRPr lang="en-US" altLang="ko-KR" dirty="0" smtClean="0"/>
+          </a:p>
+          <a:p>
+            <a:r>
+              <a:rPr lang="ko-KR" altLang="en-US" dirty="0" smtClean="0"/>
+              <a:t>체력 </a:t>
+            </a:r>
+            <a:r>
+              <a:rPr lang="en-US" altLang="ko-KR" dirty="0" smtClean="0"/>
+              <a:t>: 3</a:t>
+            </a:r>
+          </a:p>
+          <a:p>
+            <a:r>
+              <a:rPr lang="ko-KR" altLang="en-US" dirty="0" smtClean="0"/>
+              <a:t>이동속도 </a:t>
+            </a:r>
+            <a:r>
+              <a:rPr lang="en-US" altLang="ko-KR" dirty="0" smtClean="0"/>
+              <a:t>: 3</a:t>
+            </a:r>
+          </a:p>
+          <a:p>
+            <a:r>
+              <a:rPr lang="ko-KR" altLang="en-US" dirty="0" smtClean="0"/>
+              <a:t>공격속도 </a:t>
+            </a:r>
+            <a:r>
+              <a:rPr lang="en-US" altLang="ko-KR" dirty="0" smtClean="0"/>
+              <a:t>: 3</a:t>
+            </a:r>
+            <a:endParaRPr lang="ko-KR" altLang="en-US" dirty="0"/>
+          </a:p>
+        </p:txBody>
+      </p:sp>
+      <p:pic>
+        <p:nvPicPr>
+          <p:cNvPr id="15" name="그림 14" descr="핑크빈_스킬1.gif"/>
+          <p:cNvPicPr>
+            <a:picLocks noChangeAspect="1"/>
+          </p:cNvPicPr>
+          <p:nvPr/>
+        </p:nvPicPr>
+        <p:blipFill>
+          <a:blip r:embed="rId3"/>
+          <a:stretch>
+            <a:fillRect/>
+          </a:stretch>
+        </p:blipFill>
+        <p:spPr>
+          <a:xfrm>
+            <a:off x="714348" y="2928934"/>
+            <a:ext cx="1495430" cy="2443751"/>
+          </a:xfrm>
+          <a:prstGeom prst="rect">
+            <a:avLst/>
+          </a:prstGeom>
+        </p:spPr>
+      </p:pic>
+      <p:sp>
+        <p:nvSpPr>
+          <p:cNvPr id="16" name="TextBox 15"/>
+          <p:cNvSpPr txBox="1"/>
+          <p:nvPr/>
+        </p:nvSpPr>
+        <p:spPr>
+          <a:xfrm>
+            <a:off x="214282" y="5715016"/>
+            <a:ext cx="2857520" cy="307777"/>
+          </a:xfrm>
+          <a:prstGeom prst="rect">
+            <a:avLst/>
+          </a:prstGeom>
+          <a:noFill/>
+        </p:spPr>
+        <p:txBody>
+          <a:bodyPr wrap="square" rtlCol="0">
+            <a:spAutoFit/>
+          </a:bodyPr>
+          <a:lstStyle/>
+          <a:p>
+            <a:r>
+              <a:rPr lang="ko-KR" altLang="en-US" sz="1400" dirty="0" smtClean="0"/>
+              <a:t>스킬</a:t>
+            </a:r>
+            <a:r>
+              <a:rPr lang="en-US" altLang="ko-KR" sz="1400" dirty="0" smtClean="0"/>
+              <a:t>1  : </a:t>
+            </a:r>
+            <a:r>
+              <a:rPr lang="ko-KR" altLang="en-US" sz="1400" dirty="0" smtClean="0"/>
+              <a:t>상대방의 방어를 무시한다</a:t>
+            </a:r>
+            <a:endParaRPr lang="ko-KR" altLang="en-US" sz="1400" dirty="0"/>
+          </a:p>
+        </p:txBody>
+      </p:sp>
+      <p:pic>
+        <p:nvPicPr>
+          <p:cNvPr id="17" name="그림 16" descr="핑크빈_스킬2.gif"/>
+          <p:cNvPicPr>
+            <a:picLocks noChangeAspect="1"/>
+          </p:cNvPicPr>
+          <p:nvPr/>
+        </p:nvPicPr>
+        <p:blipFill>
+          <a:blip r:embed="rId4"/>
+          <a:stretch>
+            <a:fillRect/>
+          </a:stretch>
+        </p:blipFill>
+        <p:spPr>
+          <a:xfrm>
+            <a:off x="3571868" y="3028665"/>
+            <a:ext cx="1857388" cy="2252943"/>
+          </a:xfrm>
+          <a:prstGeom prst="rect">
+            <a:avLst/>
+          </a:prstGeom>
+        </p:spPr>
+      </p:pic>
+      <p:sp>
+        <p:nvSpPr>
+          <p:cNvPr id="18" name="TextBox 17"/>
+          <p:cNvSpPr txBox="1"/>
+          <p:nvPr/>
+        </p:nvSpPr>
+        <p:spPr>
+          <a:xfrm>
+            <a:off x="3071802" y="5692991"/>
+            <a:ext cx="2857520" cy="523220"/>
+          </a:xfrm>
+          <a:prstGeom prst="rect">
+            <a:avLst/>
+          </a:prstGeom>
+          <a:noFill/>
+        </p:spPr>
+        <p:txBody>
+          <a:bodyPr wrap="square" rtlCol="0">
+            <a:spAutoFit/>
+          </a:bodyPr>
+          <a:lstStyle/>
+          <a:p>
+            <a:r>
+              <a:rPr lang="ko-KR" altLang="en-US" sz="1400" dirty="0" smtClean="0"/>
+              <a:t>스킬</a:t>
+            </a:r>
+            <a:r>
+              <a:rPr lang="en-US" altLang="ko-KR" sz="1400" dirty="0" smtClean="0"/>
+              <a:t>2  : 20</a:t>
+            </a:r>
+            <a:r>
+              <a:rPr lang="ko-KR" altLang="en-US" sz="1400" dirty="0" smtClean="0"/>
+              <a:t>초 동안 </a:t>
+            </a:r>
+            <a:r>
+              <a:rPr lang="ko-KR" altLang="en-US" sz="1400" dirty="0" err="1" smtClean="0"/>
+              <a:t>데미지를</a:t>
+            </a:r>
+            <a:r>
+              <a:rPr lang="ko-KR" altLang="en-US" sz="1400" dirty="0" smtClean="0"/>
+              <a:t> 입으면 한번 만 상대방에게 돌려준다</a:t>
+            </a:r>
+            <a:r>
+              <a:rPr lang="en-US" altLang="ko-KR" sz="1400" dirty="0" smtClean="0"/>
+              <a:t>.</a:t>
+            </a:r>
+            <a:endParaRPr lang="ko-KR" altLang="en-US" sz="1400" dirty="0"/>
+          </a:p>
+        </p:txBody>
+      </p:sp>
+      <p:sp>
+        <p:nvSpPr>
+          <p:cNvPr id="19" name="TextBox 18"/>
+          <p:cNvSpPr txBox="1"/>
+          <p:nvPr/>
+        </p:nvSpPr>
+        <p:spPr>
+          <a:xfrm>
+            <a:off x="4143372" y="1214422"/>
+            <a:ext cx="3357586" cy="523220"/>
+          </a:xfrm>
+          <a:prstGeom prst="rect">
+            <a:avLst/>
+          </a:prstGeom>
+          <a:noFill/>
+        </p:spPr>
+        <p:txBody>
+          <a:bodyPr wrap="square" rtlCol="0">
+            <a:spAutoFit/>
+          </a:bodyPr>
+          <a:lstStyle/>
+          <a:p>
+            <a:r>
+              <a:rPr lang="ko-KR" altLang="en-US" sz="1400" dirty="0" err="1" smtClean="0"/>
+              <a:t>스킬을</a:t>
+            </a:r>
+            <a:r>
+              <a:rPr lang="ko-KR" altLang="en-US" sz="1400" dirty="0" smtClean="0"/>
+              <a:t> 사용하면 </a:t>
+            </a:r>
+            <a:r>
+              <a:rPr lang="en-US" altLang="ko-KR" sz="1400" dirty="0" smtClean="0"/>
+              <a:t>3</a:t>
+            </a:r>
+            <a:r>
+              <a:rPr lang="ko-KR" altLang="en-US" sz="1400" dirty="0" smtClean="0"/>
+              <a:t>개의 효과 중 한 개가 랜덤으로 발동된다</a:t>
+            </a:r>
+            <a:r>
+              <a:rPr lang="en-US" altLang="ko-KR" sz="1400" dirty="0" smtClean="0"/>
+              <a:t>.</a:t>
+            </a:r>
+            <a:endParaRPr lang="ko-KR" altLang="en-US" sz="1400" dirty="0"/>
+          </a:p>
+        </p:txBody>
+      </p:sp>
+      <p:pic>
+        <p:nvPicPr>
+          <p:cNvPr id="20" name="그림 19" descr="핑크빈_스킬3.gif"/>
+          <p:cNvPicPr>
+            <a:picLocks noChangeAspect="1"/>
+          </p:cNvPicPr>
+          <p:nvPr/>
+        </p:nvPicPr>
+        <p:blipFill>
+          <a:blip r:embed="rId5"/>
+          <a:stretch>
+            <a:fillRect/>
+          </a:stretch>
+        </p:blipFill>
+        <p:spPr>
+          <a:xfrm>
+            <a:off x="6500826" y="3857628"/>
+            <a:ext cx="2076444" cy="1638300"/>
+          </a:xfrm>
+          <a:prstGeom prst="rect">
+            <a:avLst/>
+          </a:prstGeom>
+        </p:spPr>
+      </p:pic>
+      <p:sp>
+        <p:nvSpPr>
+          <p:cNvPr id="21" name="TextBox 20"/>
+          <p:cNvSpPr txBox="1"/>
+          <p:nvPr/>
+        </p:nvSpPr>
+        <p:spPr>
+          <a:xfrm>
+            <a:off x="6072198" y="5691862"/>
+            <a:ext cx="3071802" cy="307777"/>
+          </a:xfrm>
+          <a:prstGeom prst="rect">
+            <a:avLst/>
+          </a:prstGeom>
+          <a:noFill/>
+        </p:spPr>
+        <p:txBody>
+          <a:bodyPr wrap="square" rtlCol="0">
+            <a:spAutoFit/>
+          </a:bodyPr>
+          <a:lstStyle/>
+          <a:p>
+            <a:r>
+              <a:rPr lang="ko-KR" altLang="en-US" sz="1400" dirty="0" smtClean="0"/>
+              <a:t>스킬</a:t>
+            </a:r>
+            <a:r>
+              <a:rPr lang="en-US" altLang="ko-KR" sz="1400" dirty="0" smtClean="0"/>
+              <a:t>3  : </a:t>
+            </a:r>
+            <a:r>
+              <a:rPr lang="ko-KR" altLang="en-US" sz="1400" dirty="0" smtClean="0"/>
+              <a:t>상대를 </a:t>
+            </a:r>
+            <a:r>
+              <a:rPr lang="en-US" altLang="ko-KR" sz="1400" dirty="0" smtClean="0"/>
+              <a:t>1</a:t>
+            </a:r>
+            <a:r>
+              <a:rPr lang="ko-KR" altLang="en-US" sz="1400" dirty="0" smtClean="0"/>
+              <a:t>초 동안 기절시킨다</a:t>
+            </a:r>
+            <a:r>
+              <a:rPr lang="en-US" altLang="ko-KR" sz="1400" dirty="0" smtClean="0"/>
+              <a:t>.</a:t>
+            </a:r>
+            <a:endParaRPr lang="ko-KR" altLang="en-US" sz="1400" dirty="0"/>
+          </a:p>
+        </p:txBody>
+      </p:sp>
+    </p:spTree>
+  </p:cSld>
+  <p:clrMapOvr>
+    <a:masterClrMapping/>
+  </p:clrMapOvr>
+  <p:timing>
+    <p:tnLst>
+      <p:par>
+        <p:cTn id="1" dur="indefinite" restart="never" nodeType="tmRoot"/>
+      </p:par>
+    </p:tnLst>
+  </p:timing>
+</p:sld>
+</file>
+
+<file path=ppt/slides/slide9.xml><?xml version="1.0" encoding="utf-8"?>
+<p:sld xmlns:a="http://schemas.openxmlformats.org/drawingml/2006/main" xmlns:r="http://schemas.openxmlformats.org/officeDocument/2006/relationships" xmlns:p="http://schemas.openxmlformats.org/presentationml/2006/main">
+  <p:cSld>
+    <p:spTree>
+      <p:nvGrpSpPr>
+        <p:cNvPr id="1" name=""/>
+        <p:cNvGrpSpPr/>
+        <p:nvPr/>
+      </p:nvGrpSpPr>
+      <p:grpSpPr>
+        <a:xfrm>
+          <a:off x="0" y="0"/>
+          <a:ext cx="0" cy="0"/>
+          <a:chOff x="0" y="0"/>
+          <a:chExt cx="0" cy="0"/>
+        </a:xfrm>
+      </p:grpSpPr>
+      <p:pic>
+        <p:nvPicPr>
+          <p:cNvPr id="5" name="Picture 3"/>
+          <p:cNvPicPr>
+            <a:picLocks noChangeAspect="1" noChangeArrowheads="1"/>
+          </p:cNvPicPr>
+          <p:nvPr/>
+        </p:nvPicPr>
+        <p:blipFill>
+          <a:blip r:embed="rId2"/>
+          <a:srcRect/>
+          <a:stretch>
+            <a:fillRect/>
+          </a:stretch>
+        </p:blipFill>
+        <p:spPr bwMode="auto">
+          <a:xfrm>
+            <a:off x="642910" y="1857364"/>
+            <a:ext cx="1751574" cy="2154537"/>
+          </a:xfrm>
+          <a:prstGeom prst="rect">
+            <a:avLst/>
+          </a:prstGeom>
+          <a:noFill/>
+          <a:ln w="38100">
+            <a:noFill/>
+            <a:miter lim="800000"/>
+            <a:headEnd/>
+            <a:tailEnd/>
+          </a:ln>
+          <a:effectLst/>
+        </p:spPr>
+      </p:pic>
+      <p:sp>
+        <p:nvSpPr>
+          <p:cNvPr id="7" name="TextBox 6"/>
+          <p:cNvSpPr txBox="1"/>
+          <p:nvPr/>
+        </p:nvSpPr>
+        <p:spPr>
+          <a:xfrm>
+            <a:off x="2714612" y="4643446"/>
+            <a:ext cx="4714908" cy="646331"/>
+          </a:xfrm>
+          <a:prstGeom prst="rect">
+            <a:avLst/>
+          </a:prstGeom>
+          <a:noFill/>
+        </p:spPr>
+        <p:txBody>
+          <a:bodyPr wrap="square" rtlCol="0">
+            <a:spAutoFit/>
+          </a:bodyPr>
+          <a:lstStyle/>
+          <a:p>
+            <a:r>
+              <a:rPr lang="ko-KR" altLang="en-US" dirty="0" smtClean="0"/>
+              <a:t>스킬 </a:t>
+            </a:r>
+            <a:r>
+              <a:rPr lang="en-US" altLang="ko-KR" dirty="0" smtClean="0"/>
+              <a:t>: </a:t>
+            </a:r>
+            <a:r>
+              <a:rPr lang="ko-KR" altLang="en-US" dirty="0" smtClean="0"/>
+              <a:t>바라보는 방향에 </a:t>
+            </a:r>
+            <a:r>
+              <a:rPr lang="en-US" altLang="ko-KR" dirty="0" smtClean="0"/>
+              <a:t>2x2 </a:t>
+            </a:r>
+            <a:r>
+              <a:rPr lang="ko-KR" altLang="en-US" dirty="0" smtClean="0"/>
+              <a:t>크기의 벽을 생성한다</a:t>
+            </a:r>
+            <a:r>
+              <a:rPr lang="en-US" altLang="ko-KR" dirty="0" smtClean="0"/>
+              <a:t>. </a:t>
+            </a:r>
+            <a:r>
+              <a:rPr lang="ko-KR" altLang="en-US" dirty="0" smtClean="0"/>
+              <a:t>벽은 공에 부딪힐 시 파괴된다</a:t>
+            </a:r>
+            <a:r>
+              <a:rPr lang="en-US" altLang="ko-KR" dirty="0" smtClean="0"/>
+              <a:t>.</a:t>
+            </a:r>
+            <a:endParaRPr lang="ko-KR" altLang="en-US" dirty="0"/>
+          </a:p>
+        </p:txBody>
+      </p:sp>
+      <p:sp>
+        <p:nvSpPr>
+          <p:cNvPr id="9" name="TextBox 8"/>
+          <p:cNvSpPr txBox="1"/>
+          <p:nvPr/>
+        </p:nvSpPr>
+        <p:spPr>
+          <a:xfrm>
+            <a:off x="2857488" y="1871481"/>
+            <a:ext cx="1714512" cy="1200329"/>
+          </a:xfrm>
+          <a:prstGeom prst="rect">
+            <a:avLst/>
+          </a:prstGeom>
+          <a:noFill/>
+        </p:spPr>
+        <p:txBody>
+          <a:bodyPr wrap="square" rtlCol="0">
+            <a:spAutoFit/>
+          </a:bodyPr>
+          <a:lstStyle/>
+          <a:p>
+            <a:r>
+              <a:rPr lang="ko-KR" altLang="en-US" dirty="0" err="1" smtClean="0"/>
+              <a:t>능력치</a:t>
+            </a:r>
+            <a:endParaRPr lang="en-US" altLang="ko-KR" dirty="0" smtClean="0"/>
+          </a:p>
+          <a:p>
+            <a:r>
+              <a:rPr lang="ko-KR" altLang="en-US" dirty="0" smtClean="0"/>
+              <a:t>체력 </a:t>
+            </a:r>
+            <a:r>
+              <a:rPr lang="en-US" altLang="ko-KR" dirty="0" smtClean="0"/>
+              <a:t>: 3</a:t>
+            </a:r>
+          </a:p>
+          <a:p>
+            <a:r>
+              <a:rPr lang="ko-KR" altLang="en-US" dirty="0" smtClean="0"/>
+              <a:t>이동속도 </a:t>
+            </a:r>
+            <a:r>
+              <a:rPr lang="en-US" altLang="ko-KR" dirty="0" smtClean="0"/>
+              <a:t>: 4</a:t>
+            </a:r>
+          </a:p>
+          <a:p>
+            <a:r>
+              <a:rPr lang="ko-KR" altLang="en-US" dirty="0" smtClean="0"/>
+              <a:t>공격속도 </a:t>
+            </a:r>
+            <a:r>
+              <a:rPr lang="en-US" altLang="ko-KR" dirty="0" smtClean="0"/>
+              <a:t>: 3</a:t>
+            </a:r>
+            <a:endParaRPr lang="ko-KR" altLang="en-US" dirty="0"/>
+          </a:p>
+        </p:txBody>
+      </p:sp>
+      <p:pic>
+        <p:nvPicPr>
+          <p:cNvPr id="3074" name="Picture 2"/>
+          <p:cNvPicPr>
+            <a:picLocks noChangeAspect="1" noChangeArrowheads="1"/>
+          </p:cNvPicPr>
+          <p:nvPr/>
+        </p:nvPicPr>
+        <p:blipFill>
+          <a:blip r:embed="rId3"/>
+          <a:srcRect/>
+          <a:stretch>
+            <a:fillRect/>
+          </a:stretch>
+        </p:blipFill>
+        <p:spPr bwMode="auto">
+          <a:xfrm>
+            <a:off x="1071538" y="4643446"/>
+            <a:ext cx="1162050" cy="1219200"/>
+          </a:xfrm>
+          <a:prstGeom prst="rect">
+            <a:avLst/>
+          </a:prstGeom>
+          <a:noFill/>
+          <a:ln w="9525">
+            <a:noFill/>
+            <a:miter lim="800000"/>
+            <a:headEnd/>
+            <a:tailEnd/>
+          </a:ln>
+          <a:effectLst/>
+        </p:spPr>
+      </p:pic>
     </p:spTree>
   </p:cSld>
   <p:clrMapOvr>

--- a/2D 게임프로그래밍 1차프로젝트.pptx
+++ b/2D 게임프로그래밍 1차프로젝트.pptx
@@ -15,6 +15,9 @@
     <p:sldId id="265" r:id="rId9"/>
     <p:sldId id="267" r:id="rId10"/>
     <p:sldId id="266" r:id="rId11"/>
+    <p:sldId id="268" r:id="rId12"/>
+    <p:sldId id="270" r:id="rId13"/>
+    <p:sldId id="271" r:id="rId14"/>
   </p:sldIdLst>
   <p:sldSz cx="9144000" cy="6858000" type="screen4x3"/>
   <p:notesSz cx="6858000" cy="9144000"/>
@@ -4437,8 +4440,16 @@
           <a:lstStyle/>
           <a:p>
             <a:r>
+              <a:rPr lang="ko-KR" altLang="en-US" dirty="0" smtClean="0"/>
+              <a:t>이름 </a:t>
+            </a:r>
+            <a:r>
+              <a:rPr lang="en-US" altLang="ko-KR" dirty="0" smtClean="0"/>
+              <a:t>: </a:t>
+            </a:r>
+            <a:r>
               <a:rPr lang="ko-KR" altLang="en-US" dirty="0" err="1" smtClean="0"/>
-              <a:t>능력치</a:t>
+              <a:t>그레이</a:t>
             </a:r>
             <a:endParaRPr lang="en-US" altLang="ko-KR" dirty="0" smtClean="0"/>
           </a:p>
@@ -4592,6 +4603,519 @@
             <a:r>
               <a:rPr lang="en-US" altLang="ko-KR" dirty="0" smtClean="0"/>
               <a:t>: 4</a:t>
+            </a:r>
+            <a:endParaRPr lang="ko-KR" altLang="en-US" dirty="0"/>
+          </a:p>
+        </p:txBody>
+      </p:sp>
+    </p:spTree>
+  </p:cSld>
+  <p:clrMapOvr>
+    <a:masterClrMapping/>
+  </p:clrMapOvr>
+</p:sld>
+</file>
+
+<file path=ppt/slides/slide11.xml><?xml version="1.0" encoding="utf-8"?>
+<p:sld xmlns:a="http://schemas.openxmlformats.org/drawingml/2006/main" xmlns:r="http://schemas.openxmlformats.org/officeDocument/2006/relationships" xmlns:p="http://schemas.openxmlformats.org/presentationml/2006/main">
+  <p:cSld>
+    <p:spTree>
+      <p:nvGrpSpPr>
+        <p:cNvPr id="1" name=""/>
+        <p:cNvGrpSpPr/>
+        <p:nvPr/>
+      </p:nvGrpSpPr>
+      <p:grpSpPr>
+        <a:xfrm>
+          <a:off x="0" y="0"/>
+          <a:ext cx="0" cy="0"/>
+          <a:chOff x="0" y="0"/>
+          <a:chExt cx="0" cy="0"/>
+        </a:xfrm>
+      </p:grpSpPr>
+      <p:sp>
+        <p:nvSpPr>
+          <p:cNvPr id="2" name="제목 1"/>
+          <p:cNvSpPr>
+            <a:spLocks noGrp="1"/>
+          </p:cNvSpPr>
+          <p:nvPr>
+            <p:ph type="title"/>
+          </p:nvPr>
+        </p:nvSpPr>
+        <p:spPr>
+          <a:xfrm>
+            <a:off x="3071802" y="785794"/>
+            <a:ext cx="2543164" cy="1066800"/>
+          </a:xfrm>
+        </p:spPr>
+        <p:txBody>
+          <a:bodyPr/>
+          <a:lstStyle/>
+          <a:p>
+            <a:r>
+              <a:rPr lang="ko-KR" altLang="en-US" smtClean="0"/>
+              <a:t>추가 예정</a:t>
+            </a:r>
+            <a:endParaRPr lang="ko-KR" altLang="en-US"/>
+          </a:p>
+        </p:txBody>
+      </p:sp>
+      <p:sp>
+        <p:nvSpPr>
+          <p:cNvPr id="4" name="직사각형 3"/>
+          <p:cNvSpPr/>
+          <p:nvPr/>
+        </p:nvSpPr>
+        <p:spPr>
+          <a:xfrm>
+            <a:off x="1214414" y="2214554"/>
+            <a:ext cx="1500198" cy="1643074"/>
+          </a:xfrm>
+          <a:prstGeom prst="rect">
+            <a:avLst/>
+          </a:prstGeom>
+          <a:solidFill>
+            <a:schemeClr val="tx1"/>
+          </a:solidFill>
+          <a:ln>
+            <a:noFill/>
+          </a:ln>
+        </p:spPr>
+        <p:style>
+          <a:lnRef idx="2">
+            <a:schemeClr val="accent1">
+              <a:shade val="50000"/>
+            </a:schemeClr>
+          </a:lnRef>
+          <a:fillRef idx="1">
+            <a:schemeClr val="accent1"/>
+          </a:fillRef>
+          <a:effectRef idx="0">
+            <a:schemeClr val="accent1"/>
+          </a:effectRef>
+          <a:fontRef idx="minor">
+            <a:schemeClr val="lt1"/>
+          </a:fontRef>
+        </p:style>
+        <p:txBody>
+          <a:bodyPr rtlCol="0" anchor="ctr"/>
+          <a:lstStyle/>
+          <a:p>
+            <a:pPr algn="ctr"/>
+            <a:r>
+              <a:rPr lang="en-US" altLang="ko-KR" dirty="0" smtClean="0"/>
+              <a:t>???</a:t>
+            </a:r>
+            <a:endParaRPr lang="ko-KR" altLang="en-US" dirty="0"/>
+          </a:p>
+        </p:txBody>
+      </p:sp>
+      <p:sp>
+        <p:nvSpPr>
+          <p:cNvPr id="5" name="TextBox 4"/>
+          <p:cNvSpPr txBox="1"/>
+          <p:nvPr/>
+        </p:nvSpPr>
+        <p:spPr>
+          <a:xfrm>
+            <a:off x="3214678" y="2214554"/>
+            <a:ext cx="2643206" cy="1200329"/>
+          </a:xfrm>
+          <a:prstGeom prst="rect">
+            <a:avLst/>
+          </a:prstGeom>
+          <a:noFill/>
+        </p:spPr>
+        <p:txBody>
+          <a:bodyPr wrap="square" rtlCol="0">
+            <a:spAutoFit/>
+          </a:bodyPr>
+          <a:lstStyle/>
+          <a:p>
+            <a:r>
+              <a:rPr lang="ko-KR" altLang="en-US" dirty="0" smtClean="0"/>
+              <a:t>이름 </a:t>
+            </a:r>
+            <a:r>
+              <a:rPr lang="en-US" altLang="ko-KR" dirty="0" smtClean="0"/>
+              <a:t>: ?</a:t>
+            </a:r>
+          </a:p>
+          <a:p>
+            <a:r>
+              <a:rPr lang="ko-KR" altLang="en-US" dirty="0" smtClean="0"/>
+              <a:t>체력 </a:t>
+            </a:r>
+            <a:r>
+              <a:rPr lang="en-US" altLang="ko-KR" dirty="0" smtClean="0"/>
+              <a:t>: ?</a:t>
+            </a:r>
+          </a:p>
+          <a:p>
+            <a:r>
+              <a:rPr lang="ko-KR" altLang="en-US" dirty="0" smtClean="0"/>
+              <a:t>이동속도</a:t>
+            </a:r>
+            <a:r>
+              <a:rPr lang="en-US" altLang="ko-KR" dirty="0" smtClean="0"/>
+              <a:t> </a:t>
+            </a:r>
+            <a:r>
+              <a:rPr lang="en-US" altLang="ko-KR" dirty="0" smtClean="0"/>
+              <a:t>: ?</a:t>
+            </a:r>
+          </a:p>
+          <a:p>
+            <a:r>
+              <a:rPr lang="ko-KR" altLang="en-US" dirty="0" smtClean="0"/>
+              <a:t>공격속도 </a:t>
+            </a:r>
+            <a:r>
+              <a:rPr lang="en-US" altLang="ko-KR" dirty="0" smtClean="0"/>
+              <a:t>: ?</a:t>
+            </a:r>
+            <a:endParaRPr lang="ko-KR" altLang="en-US" dirty="0"/>
+          </a:p>
+        </p:txBody>
+      </p:sp>
+    </p:spTree>
+  </p:cSld>
+  <p:clrMapOvr>
+    <a:masterClrMapping/>
+  </p:clrMapOvr>
+</p:sld>
+</file>
+
+<file path=ppt/slides/slide12.xml><?xml version="1.0" encoding="utf-8"?>
+<p:sld xmlns:a="http://schemas.openxmlformats.org/drawingml/2006/main" xmlns:r="http://schemas.openxmlformats.org/officeDocument/2006/relationships" xmlns:p="http://schemas.openxmlformats.org/presentationml/2006/main">
+  <p:cSld>
+    <p:spTree>
+      <p:nvGrpSpPr>
+        <p:cNvPr id="1" name=""/>
+        <p:cNvGrpSpPr/>
+        <p:nvPr/>
+      </p:nvGrpSpPr>
+      <p:grpSpPr>
+        <a:xfrm>
+          <a:off x="0" y="0"/>
+          <a:ext cx="0" cy="0"/>
+          <a:chOff x="0" y="0"/>
+          <a:chExt cx="0" cy="0"/>
+        </a:xfrm>
+      </p:grpSpPr>
+      <p:sp>
+        <p:nvSpPr>
+          <p:cNvPr id="2" name="제목 1"/>
+          <p:cNvSpPr>
+            <a:spLocks noGrp="1"/>
+          </p:cNvSpPr>
+          <p:nvPr>
+            <p:ph type="title"/>
+          </p:nvPr>
+        </p:nvSpPr>
+        <p:spPr>
+          <a:xfrm>
+            <a:off x="3071802" y="785794"/>
+            <a:ext cx="2543164" cy="1066800"/>
+          </a:xfrm>
+        </p:spPr>
+        <p:txBody>
+          <a:bodyPr/>
+          <a:lstStyle/>
+          <a:p>
+            <a:r>
+              <a:rPr lang="ko-KR" altLang="en-US" smtClean="0"/>
+              <a:t>추가 예정</a:t>
+            </a:r>
+            <a:endParaRPr lang="ko-KR" altLang="en-US"/>
+          </a:p>
+        </p:txBody>
+      </p:sp>
+      <p:sp>
+        <p:nvSpPr>
+          <p:cNvPr id="4" name="직사각형 3"/>
+          <p:cNvSpPr/>
+          <p:nvPr/>
+        </p:nvSpPr>
+        <p:spPr>
+          <a:xfrm>
+            <a:off x="1214414" y="2214554"/>
+            <a:ext cx="1500198" cy="1643074"/>
+          </a:xfrm>
+          <a:prstGeom prst="rect">
+            <a:avLst/>
+          </a:prstGeom>
+          <a:solidFill>
+            <a:schemeClr val="tx1"/>
+          </a:solidFill>
+          <a:ln>
+            <a:noFill/>
+          </a:ln>
+        </p:spPr>
+        <p:style>
+          <a:lnRef idx="2">
+            <a:schemeClr val="accent1">
+              <a:shade val="50000"/>
+            </a:schemeClr>
+          </a:lnRef>
+          <a:fillRef idx="1">
+            <a:schemeClr val="accent1"/>
+          </a:fillRef>
+          <a:effectRef idx="0">
+            <a:schemeClr val="accent1"/>
+          </a:effectRef>
+          <a:fontRef idx="minor">
+            <a:schemeClr val="lt1"/>
+          </a:fontRef>
+        </p:style>
+        <p:txBody>
+          <a:bodyPr rtlCol="0" anchor="ctr"/>
+          <a:lstStyle/>
+          <a:p>
+            <a:pPr algn="ctr"/>
+            <a:r>
+              <a:rPr lang="en-US" altLang="ko-KR" dirty="0" smtClean="0"/>
+              <a:t>???</a:t>
+            </a:r>
+            <a:endParaRPr lang="ko-KR" altLang="en-US" dirty="0"/>
+          </a:p>
+        </p:txBody>
+      </p:sp>
+      <p:sp>
+        <p:nvSpPr>
+          <p:cNvPr id="5" name="TextBox 4"/>
+          <p:cNvSpPr txBox="1"/>
+          <p:nvPr/>
+        </p:nvSpPr>
+        <p:spPr>
+          <a:xfrm>
+            <a:off x="3214678" y="2214554"/>
+            <a:ext cx="2643206" cy="1200329"/>
+          </a:xfrm>
+          <a:prstGeom prst="rect">
+            <a:avLst/>
+          </a:prstGeom>
+          <a:noFill/>
+        </p:spPr>
+        <p:txBody>
+          <a:bodyPr wrap="square" rtlCol="0">
+            <a:spAutoFit/>
+          </a:bodyPr>
+          <a:lstStyle/>
+          <a:p>
+            <a:r>
+              <a:rPr lang="ko-KR" altLang="en-US" dirty="0" smtClean="0"/>
+              <a:t>이름 </a:t>
+            </a:r>
+            <a:r>
+              <a:rPr lang="en-US" altLang="ko-KR" dirty="0" smtClean="0"/>
+              <a:t>: ?</a:t>
+            </a:r>
+          </a:p>
+          <a:p>
+            <a:r>
+              <a:rPr lang="ko-KR" altLang="en-US" dirty="0" smtClean="0"/>
+              <a:t>체력 </a:t>
+            </a:r>
+            <a:r>
+              <a:rPr lang="en-US" altLang="ko-KR" dirty="0" smtClean="0"/>
+              <a:t>: ?</a:t>
+            </a:r>
+          </a:p>
+          <a:p>
+            <a:r>
+              <a:rPr lang="ko-KR" altLang="en-US" dirty="0" smtClean="0"/>
+              <a:t>이동속도</a:t>
+            </a:r>
+            <a:r>
+              <a:rPr lang="en-US" altLang="ko-KR" dirty="0" smtClean="0"/>
+              <a:t> </a:t>
+            </a:r>
+            <a:r>
+              <a:rPr lang="en-US" altLang="ko-KR" dirty="0" smtClean="0"/>
+              <a:t>: ?</a:t>
+            </a:r>
+          </a:p>
+          <a:p>
+            <a:r>
+              <a:rPr lang="ko-KR" altLang="en-US" dirty="0" smtClean="0"/>
+              <a:t>공격속도 </a:t>
+            </a:r>
+            <a:r>
+              <a:rPr lang="en-US" altLang="ko-KR" dirty="0" smtClean="0"/>
+              <a:t>: ?</a:t>
+            </a:r>
+            <a:endParaRPr lang="ko-KR" altLang="en-US" dirty="0"/>
+          </a:p>
+        </p:txBody>
+      </p:sp>
+    </p:spTree>
+  </p:cSld>
+  <p:clrMapOvr>
+    <a:masterClrMapping/>
+  </p:clrMapOvr>
+</p:sld>
+</file>
+
+<file path=ppt/slides/slide13.xml><?xml version="1.0" encoding="utf-8"?>
+<p:sld xmlns:a="http://schemas.openxmlformats.org/drawingml/2006/main" xmlns:r="http://schemas.openxmlformats.org/officeDocument/2006/relationships" xmlns:p="http://schemas.openxmlformats.org/presentationml/2006/main">
+  <p:cSld>
+    <p:spTree>
+      <p:nvGrpSpPr>
+        <p:cNvPr id="1" name=""/>
+        <p:cNvGrpSpPr/>
+        <p:nvPr/>
+      </p:nvGrpSpPr>
+      <p:grpSpPr>
+        <a:xfrm>
+          <a:off x="0" y="0"/>
+          <a:ext cx="0" cy="0"/>
+          <a:chOff x="0" y="0"/>
+          <a:chExt cx="0" cy="0"/>
+        </a:xfrm>
+      </p:grpSpPr>
+      <p:sp>
+        <p:nvSpPr>
+          <p:cNvPr id="2" name="제목 1"/>
+          <p:cNvSpPr>
+            <a:spLocks noGrp="1"/>
+          </p:cNvSpPr>
+          <p:nvPr>
+            <p:ph type="title"/>
+          </p:nvPr>
+        </p:nvSpPr>
+        <p:spPr>
+          <a:xfrm>
+            <a:off x="3071802" y="785794"/>
+            <a:ext cx="2543164" cy="1066800"/>
+          </a:xfrm>
+        </p:spPr>
+        <p:txBody>
+          <a:bodyPr/>
+          <a:lstStyle/>
+          <a:p>
+            <a:r>
+              <a:rPr lang="ko-KR" altLang="en-US" smtClean="0"/>
+              <a:t>추가 예정</a:t>
+            </a:r>
+            <a:endParaRPr lang="ko-KR" altLang="en-US"/>
+          </a:p>
+        </p:txBody>
+      </p:sp>
+      <p:sp>
+        <p:nvSpPr>
+          <p:cNvPr id="4" name="직사각형 3"/>
+          <p:cNvSpPr/>
+          <p:nvPr/>
+        </p:nvSpPr>
+        <p:spPr>
+          <a:xfrm>
+            <a:off x="1214414" y="2214554"/>
+            <a:ext cx="1500198" cy="1643074"/>
+          </a:xfrm>
+          <a:prstGeom prst="rect">
+            <a:avLst/>
+          </a:prstGeom>
+          <a:solidFill>
+            <a:schemeClr val="tx1"/>
+          </a:solidFill>
+          <a:ln>
+            <a:noFill/>
+          </a:ln>
+        </p:spPr>
+        <p:style>
+          <a:lnRef idx="2">
+            <a:schemeClr val="accent1">
+              <a:shade val="50000"/>
+            </a:schemeClr>
+          </a:lnRef>
+          <a:fillRef idx="1">
+            <a:schemeClr val="accent1"/>
+          </a:fillRef>
+          <a:effectRef idx="0">
+            <a:schemeClr val="accent1"/>
+          </a:effectRef>
+          <a:fontRef idx="minor">
+            <a:schemeClr val="lt1"/>
+          </a:fontRef>
+        </p:style>
+        <p:txBody>
+          <a:bodyPr rtlCol="0" anchor="ctr"/>
+          <a:lstStyle/>
+          <a:p>
+            <a:pPr algn="ctr"/>
+            <a:r>
+              <a:rPr lang="en-US" altLang="ko-KR" dirty="0" smtClean="0"/>
+              <a:t>???</a:t>
+            </a:r>
+            <a:endParaRPr lang="ko-KR" altLang="en-US" dirty="0"/>
+          </a:p>
+        </p:txBody>
+      </p:sp>
+      <p:sp>
+        <p:nvSpPr>
+          <p:cNvPr id="5" name="TextBox 4"/>
+          <p:cNvSpPr txBox="1"/>
+          <p:nvPr/>
+        </p:nvSpPr>
+        <p:spPr>
+          <a:xfrm>
+            <a:off x="3214678" y="2214554"/>
+            <a:ext cx="2643206" cy="1200329"/>
+          </a:xfrm>
+          <a:prstGeom prst="rect">
+            <a:avLst/>
+          </a:prstGeom>
+          <a:noFill/>
+        </p:spPr>
+        <p:txBody>
+          <a:bodyPr wrap="square" rtlCol="0">
+            <a:spAutoFit/>
+          </a:bodyPr>
+          <a:lstStyle/>
+          <a:p>
+            <a:r>
+              <a:rPr lang="ko-KR" altLang="en-US" dirty="0" smtClean="0"/>
+              <a:t>이름 </a:t>
+            </a:r>
+            <a:r>
+              <a:rPr lang="en-US" altLang="ko-KR" dirty="0" smtClean="0"/>
+              <a:t>: ?</a:t>
+            </a:r>
+          </a:p>
+          <a:p>
+            <a:r>
+              <a:rPr lang="ko-KR" altLang="en-US" dirty="0" smtClean="0"/>
+              <a:t>체력 </a:t>
+            </a:r>
+            <a:r>
+              <a:rPr lang="en-US" altLang="ko-KR" dirty="0" smtClean="0"/>
+              <a:t>: ?</a:t>
+            </a:r>
+          </a:p>
+          <a:p>
+            <a:r>
+              <a:rPr lang="ko-KR" altLang="en-US" dirty="0" smtClean="0"/>
+              <a:t>이동속도</a:t>
+            </a:r>
+            <a:r>
+              <a:rPr lang="en-US" altLang="ko-KR" dirty="0" smtClean="0"/>
+              <a:t> </a:t>
+            </a:r>
+            <a:r>
+              <a:rPr lang="en-US" altLang="ko-KR" dirty="0" smtClean="0"/>
+              <a:t>: ?</a:t>
+            </a:r>
+          </a:p>
+          <a:p>
+            <a:r>
+              <a:rPr lang="ko-KR" altLang="en-US" dirty="0" smtClean="0"/>
+              <a:t>공격속도 </a:t>
+            </a:r>
+            <a:r>
+              <a:rPr lang="en-US" altLang="ko-KR" dirty="0" smtClean="0"/>
+              <a:t>: ?</a:t>
             </a:r>
             <a:endParaRPr lang="ko-KR" altLang="en-US" dirty="0"/>
           </a:p>
@@ -10006,8 +10530,8 @@
         </p:blipFill>
         <p:spPr bwMode="auto">
           <a:xfrm>
-            <a:off x="928662" y="1357298"/>
-            <a:ext cx="666668" cy="816287"/>
+            <a:off x="785786" y="1071546"/>
+            <a:ext cx="1071570" cy="1312060"/>
           </a:xfrm>
           <a:prstGeom prst="rect">
             <a:avLst/>
@@ -10047,8 +10571,16 @@
           <a:lstStyle/>
           <a:p>
             <a:r>
+              <a:rPr lang="ko-KR" altLang="en-US" dirty="0" smtClean="0"/>
+              <a:t>이름 </a:t>
+            </a:r>
+            <a:r>
+              <a:rPr lang="en-US" altLang="ko-KR" dirty="0" smtClean="0"/>
+              <a:t>: </a:t>
+            </a:r>
+            <a:r>
               <a:rPr lang="ko-KR" altLang="en-US" dirty="0" err="1" smtClean="0"/>
-              <a:t>능력치</a:t>
+              <a:t>핑크빈</a:t>
             </a:r>
             <a:endParaRPr lang="en-US" altLang="ko-KR" dirty="0" smtClean="0"/>
           </a:p>
@@ -10487,8 +11019,16 @@
           <a:lstStyle/>
           <a:p>
             <a:r>
+              <a:rPr lang="ko-KR" altLang="en-US" dirty="0" smtClean="0"/>
+              <a:t>이름 </a:t>
+            </a:r>
+            <a:r>
+              <a:rPr lang="en-US" altLang="ko-KR" dirty="0" smtClean="0"/>
+              <a:t>: </a:t>
+            </a:r>
+            <a:r>
               <a:rPr lang="ko-KR" altLang="en-US" dirty="0" err="1" smtClean="0"/>
-              <a:t>능력치</a:t>
+              <a:t>샌즈</a:t>
             </a:r>
             <a:endParaRPr lang="en-US" altLang="ko-KR" dirty="0" smtClean="0"/>
           </a:p>
